--- a/A班最終プレゼンパワポ.pptx
+++ b/A班最終プレゼンパワポ.pptx
@@ -6,20 +6,21 @@
   </p:sldMasterIdLst>
   <p:sldIdLst>
     <p:sldId id="256" r:id="rId2"/>
-    <p:sldId id="257" r:id="rId3"/>
-    <p:sldId id="264" r:id="rId4"/>
-    <p:sldId id="281" r:id="rId5"/>
-    <p:sldId id="265" r:id="rId6"/>
-    <p:sldId id="274" r:id="rId7"/>
-    <p:sldId id="259" r:id="rId8"/>
-    <p:sldId id="269" r:id="rId9"/>
-    <p:sldId id="272" r:id="rId10"/>
-    <p:sldId id="266" r:id="rId11"/>
-    <p:sldId id="275" r:id="rId12"/>
-    <p:sldId id="277" r:id="rId13"/>
-    <p:sldId id="278" r:id="rId14"/>
-    <p:sldId id="279" r:id="rId15"/>
-    <p:sldId id="283" r:id="rId16"/>
+    <p:sldId id="284" r:id="rId3"/>
+    <p:sldId id="257" r:id="rId4"/>
+    <p:sldId id="264" r:id="rId5"/>
+    <p:sldId id="281" r:id="rId6"/>
+    <p:sldId id="265" r:id="rId7"/>
+    <p:sldId id="274" r:id="rId8"/>
+    <p:sldId id="259" r:id="rId9"/>
+    <p:sldId id="269" r:id="rId10"/>
+    <p:sldId id="272" r:id="rId11"/>
+    <p:sldId id="266" r:id="rId12"/>
+    <p:sldId id="275" r:id="rId13"/>
+    <p:sldId id="277" r:id="rId14"/>
+    <p:sldId id="278" r:id="rId15"/>
+    <p:sldId id="279" r:id="rId16"/>
+    <p:sldId id="283" r:id="rId17"/>
   </p:sldIdLst>
   <p:sldSz cx="12192000" cy="6858000"/>
   <p:notesSz cx="6858000" cy="9144000"/>
@@ -273,7 +274,7 @@
           <a:p>
             <a:fld id="{41410144-6C91-47C4-9623-11021DBF1576}" type="datetimeFigureOut">
               <a:rPr kumimoji="1" lang="ja-JP" altLang="en-US" smtClean="0"/>
-              <a:t>2018/8/3</a:t>
+              <a:t>2018/9/12</a:t>
             </a:fld>
             <a:endParaRPr kumimoji="1" lang="ja-JP" altLang="en-US"/>
           </a:p>
@@ -503,7 +504,7 @@
           <a:p>
             <a:fld id="{41410144-6C91-47C4-9623-11021DBF1576}" type="datetimeFigureOut">
               <a:rPr kumimoji="1" lang="ja-JP" altLang="en-US" smtClean="0"/>
-              <a:t>2018/8/3</a:t>
+              <a:t>2018/9/12</a:t>
             </a:fld>
             <a:endParaRPr kumimoji="1" lang="ja-JP" altLang="en-US"/>
           </a:p>
@@ -743,7 +744,7 @@
           <a:p>
             <a:fld id="{41410144-6C91-47C4-9623-11021DBF1576}" type="datetimeFigureOut">
               <a:rPr kumimoji="1" lang="ja-JP" altLang="en-US" smtClean="0"/>
-              <a:t>2018/8/3</a:t>
+              <a:t>2018/9/12</a:t>
             </a:fld>
             <a:endParaRPr kumimoji="1" lang="ja-JP" altLang="en-US"/>
           </a:p>
@@ -973,7 +974,7 @@
           <a:p>
             <a:fld id="{41410144-6C91-47C4-9623-11021DBF1576}" type="datetimeFigureOut">
               <a:rPr kumimoji="1" lang="ja-JP" altLang="en-US" smtClean="0"/>
-              <a:t>2018/8/3</a:t>
+              <a:t>2018/9/12</a:t>
             </a:fld>
             <a:endParaRPr kumimoji="1" lang="ja-JP" altLang="en-US"/>
           </a:p>
@@ -1248,7 +1249,7 @@
           <a:p>
             <a:fld id="{41410144-6C91-47C4-9623-11021DBF1576}" type="datetimeFigureOut">
               <a:rPr kumimoji="1" lang="ja-JP" altLang="en-US" smtClean="0"/>
-              <a:t>2018/8/3</a:t>
+              <a:t>2018/9/12</a:t>
             </a:fld>
             <a:endParaRPr kumimoji="1" lang="ja-JP" altLang="en-US"/>
           </a:p>
@@ -1577,7 +1578,7 @@
           <a:p>
             <a:fld id="{41410144-6C91-47C4-9623-11021DBF1576}" type="datetimeFigureOut">
               <a:rPr kumimoji="1" lang="ja-JP" altLang="en-US" smtClean="0"/>
-              <a:t>2018/8/3</a:t>
+              <a:t>2018/9/12</a:t>
             </a:fld>
             <a:endParaRPr kumimoji="1" lang="ja-JP" altLang="en-US"/>
           </a:p>
@@ -2053,7 +2054,7 @@
           <a:p>
             <a:fld id="{41410144-6C91-47C4-9623-11021DBF1576}" type="datetimeFigureOut">
               <a:rPr kumimoji="1" lang="ja-JP" altLang="en-US" smtClean="0"/>
-              <a:t>2018/8/3</a:t>
+              <a:t>2018/9/12</a:t>
             </a:fld>
             <a:endParaRPr kumimoji="1" lang="ja-JP" altLang="en-US"/>
           </a:p>
@@ -2194,7 +2195,7 @@
           <a:p>
             <a:fld id="{41410144-6C91-47C4-9623-11021DBF1576}" type="datetimeFigureOut">
               <a:rPr kumimoji="1" lang="ja-JP" altLang="en-US" smtClean="0"/>
-              <a:t>2018/8/3</a:t>
+              <a:t>2018/9/12</a:t>
             </a:fld>
             <a:endParaRPr kumimoji="1" lang="ja-JP" altLang="en-US"/>
           </a:p>
@@ -2307,7 +2308,7 @@
           <a:p>
             <a:fld id="{41410144-6C91-47C4-9623-11021DBF1576}" type="datetimeFigureOut">
               <a:rPr kumimoji="1" lang="ja-JP" altLang="en-US" smtClean="0"/>
-              <a:t>2018/8/3</a:t>
+              <a:t>2018/9/12</a:t>
             </a:fld>
             <a:endParaRPr kumimoji="1" lang="ja-JP" altLang="en-US"/>
           </a:p>
@@ -2650,7 +2651,7 @@
           <a:p>
             <a:fld id="{41410144-6C91-47C4-9623-11021DBF1576}" type="datetimeFigureOut">
               <a:rPr kumimoji="1" lang="ja-JP" altLang="en-US" smtClean="0"/>
-              <a:t>2018/8/3</a:t>
+              <a:t>2018/9/12</a:t>
             </a:fld>
             <a:endParaRPr kumimoji="1" lang="ja-JP" altLang="en-US"/>
           </a:p>
@@ -2938,7 +2939,7 @@
           <a:p>
             <a:fld id="{41410144-6C91-47C4-9623-11021DBF1576}" type="datetimeFigureOut">
               <a:rPr kumimoji="1" lang="ja-JP" altLang="en-US" smtClean="0"/>
-              <a:t>2018/8/3</a:t>
+              <a:t>2018/9/12</a:t>
             </a:fld>
             <a:endParaRPr kumimoji="1" lang="ja-JP" altLang="en-US"/>
           </a:p>
@@ -3211,7 +3212,7 @@
           <a:p>
             <a:fld id="{41410144-6C91-47C4-9623-11021DBF1576}" type="datetimeFigureOut">
               <a:rPr kumimoji="1" lang="ja-JP" altLang="en-US" smtClean="0"/>
-              <a:t>2018/8/3</a:t>
+              <a:t>2018/9/12</a:t>
             </a:fld>
             <a:endParaRPr kumimoji="1" lang="ja-JP" altLang="en-US"/>
           </a:p>
@@ -3746,10 +3747,10 @@
       </p:grpSpPr>
       <p:sp>
         <p:nvSpPr>
-          <p:cNvPr id="2" name="タイトル 1">
-            <a:extLst>
-              <a:ext uri="{FF2B5EF4-FFF2-40B4-BE49-F238E27FC236}">
-                <a16:creationId xmlns:a16="http://schemas.microsoft.com/office/drawing/2014/main" id="{C6CD12A7-60EB-40BE-9DCE-4D4FABC8D784}"/>
+          <p:cNvPr id="5" name="タイトル 1">
+            <a:extLst>
+              <a:ext uri="{FF2B5EF4-FFF2-40B4-BE49-F238E27FC236}">
+                <a16:creationId xmlns:a16="http://schemas.microsoft.com/office/drawing/2014/main" id="{78690778-CC59-4B13-B088-6E893C73EAF6}"/>
               </a:ext>
             </a:extLst>
           </p:cNvPr>
@@ -3760,101 +3761,63 @@
             <p:ph type="title"/>
           </p:nvPr>
         </p:nvSpPr>
-        <p:spPr/>
+        <p:spPr>
+          <a:xfrm>
+            <a:off x="838200" y="365125"/>
+            <a:ext cx="10515600" cy="1325563"/>
+          </a:xfrm>
+        </p:spPr>
         <p:txBody>
           <a:bodyPr/>
           <a:lstStyle/>
           <a:p>
             <a:r>
               <a:rPr kumimoji="1" lang="ja-JP" altLang="en-US" dirty="0"/>
-              <a:t>ゲームの特徴②　投稿フォーム</a:t>
-            </a:r>
-          </a:p>
-        </p:txBody>
-      </p:sp>
-      <p:sp>
-        <p:nvSpPr>
-          <p:cNvPr id="3" name="コンテンツ プレースホルダー 2">
-            <a:extLst>
-              <a:ext uri="{FF2B5EF4-FFF2-40B4-BE49-F238E27FC236}">
-                <a16:creationId xmlns:a16="http://schemas.microsoft.com/office/drawing/2014/main" id="{52DE32EA-0FA2-479E-BE78-1E35263483A2}"/>
-              </a:ext>
-            </a:extLst>
-          </p:cNvPr>
-          <p:cNvSpPr>
-            <a:spLocks noGrp="1"/>
-          </p:cNvSpPr>
-          <p:nvPr>
-            <p:ph idx="1"/>
-          </p:nvPr>
-        </p:nvSpPr>
-        <p:spPr/>
-        <p:txBody>
-          <a:bodyPr/>
-          <a:lstStyle/>
-          <a:p>
-            <a:pPr marL="0" indent="0">
-              <a:buNone/>
-            </a:pPr>
-            <a:r>
-              <a:rPr lang="ja-JP" altLang="en-US" dirty="0"/>
-              <a:t>・日野を観光した後に</a:t>
-            </a:r>
-            <a:r>
-              <a:rPr lang="en-US" altLang="ja-JP" dirty="0"/>
-              <a:t>…</a:t>
-            </a:r>
-          </a:p>
-          <a:p>
-            <a:pPr marL="0" indent="0">
-              <a:buNone/>
-            </a:pPr>
-            <a:r>
-              <a:rPr lang="ja-JP" altLang="en-US" dirty="0"/>
-              <a:t>実際に観光してみて気に入ったスポットの写真などを投稿することができる</a:t>
-            </a:r>
-            <a:endParaRPr lang="en-US" altLang="ja-JP" dirty="0"/>
-          </a:p>
-          <a:p>
-            <a:pPr marL="0" indent="0">
-              <a:buNone/>
-            </a:pPr>
-            <a:endParaRPr lang="en-US" altLang="ja-JP" dirty="0"/>
-          </a:p>
-          <a:p>
-            <a:pPr marL="0" indent="0">
-              <a:buNone/>
-            </a:pPr>
-            <a:r>
-              <a:rPr lang="ja-JP" altLang="en-US" dirty="0"/>
-              <a:t>・地元の人々が</a:t>
-            </a:r>
-            <a:r>
-              <a:rPr lang="en-US" altLang="ja-JP" dirty="0"/>
-              <a:t>…</a:t>
-            </a:r>
-          </a:p>
-          <a:p>
-            <a:pPr marL="0" indent="0">
-              <a:buNone/>
-            </a:pPr>
-            <a:r>
-              <a:rPr lang="ja-JP" altLang="en-US" dirty="0"/>
-              <a:t>日野を観光したいと考えている人々におすすめしたいスポットを紹介できる</a:t>
-            </a:r>
-          </a:p>
-          <a:p>
-            <a:pPr marL="0" indent="0">
-              <a:buNone/>
-            </a:pPr>
-            <a:endParaRPr lang="en-US" altLang="ja-JP" dirty="0"/>
-          </a:p>
-        </p:txBody>
-      </p:sp>
+              <a:t>③観光ポットの情報ゲット</a:t>
+            </a:r>
+          </a:p>
+        </p:txBody>
+      </p:sp>
+      <p:pic>
+        <p:nvPicPr>
+          <p:cNvPr id="7" name="図 6">
+            <a:extLst>
+              <a:ext uri="{FF2B5EF4-FFF2-40B4-BE49-F238E27FC236}">
+                <a16:creationId xmlns:a16="http://schemas.microsoft.com/office/drawing/2014/main" id="{ABC892CE-CF64-49B4-9D67-6C03293B1B6B}"/>
+              </a:ext>
+            </a:extLst>
+          </p:cNvPr>
+          <p:cNvPicPr>
+            <a:picLocks noChangeAspect="1"/>
+          </p:cNvPicPr>
+          <p:nvPr/>
+        </p:nvPicPr>
+        <p:blipFill>
+          <a:blip r:embed="rId2">
+            <a:extLst>
+              <a:ext uri="{28A0092B-C50C-407E-A947-70E740481C1C}">
+                <a14:useLocalDpi xmlns:a14="http://schemas.microsoft.com/office/drawing/2010/main" val="0"/>
+              </a:ext>
+            </a:extLst>
+          </a:blip>
+          <a:stretch>
+            <a:fillRect/>
+          </a:stretch>
+        </p:blipFill>
+        <p:spPr>
+          <a:xfrm>
+            <a:off x="2736000" y="1452875"/>
+            <a:ext cx="6720000" cy="5040000"/>
+          </a:xfrm>
+          <a:prstGeom prst="rect">
+            <a:avLst/>
+          </a:prstGeom>
+        </p:spPr>
+      </p:pic>
     </p:spTree>
     <p:extLst>
       <p:ext uri="{BB962C8B-B14F-4D97-AF65-F5344CB8AC3E}">
-        <p14:creationId xmlns:p14="http://schemas.microsoft.com/office/powerpoint/2010/main" val="2251667623"/>
+        <p14:creationId xmlns:p14="http://schemas.microsoft.com/office/powerpoint/2010/main" val="1746382014"/>
       </p:ext>
     </p:extLst>
   </p:cSld>
@@ -3886,6 +3849,143 @@
           <p:cNvPr id="2" name="タイトル 1">
             <a:extLst>
               <a:ext uri="{FF2B5EF4-FFF2-40B4-BE49-F238E27FC236}">
+                <a16:creationId xmlns:a16="http://schemas.microsoft.com/office/drawing/2014/main" id="{C6CD12A7-60EB-40BE-9DCE-4D4FABC8D784}"/>
+              </a:ext>
+            </a:extLst>
+          </p:cNvPr>
+          <p:cNvSpPr>
+            <a:spLocks noGrp="1"/>
+          </p:cNvSpPr>
+          <p:nvPr>
+            <p:ph type="title"/>
+          </p:nvPr>
+        </p:nvSpPr>
+        <p:spPr/>
+        <p:txBody>
+          <a:bodyPr/>
+          <a:lstStyle/>
+          <a:p>
+            <a:r>
+              <a:rPr kumimoji="1" lang="ja-JP" altLang="en-US" dirty="0"/>
+              <a:t>ゲームの特徴②　投稿フォーム</a:t>
+            </a:r>
+          </a:p>
+        </p:txBody>
+      </p:sp>
+      <p:sp>
+        <p:nvSpPr>
+          <p:cNvPr id="3" name="コンテンツ プレースホルダー 2">
+            <a:extLst>
+              <a:ext uri="{FF2B5EF4-FFF2-40B4-BE49-F238E27FC236}">
+                <a16:creationId xmlns:a16="http://schemas.microsoft.com/office/drawing/2014/main" id="{52DE32EA-0FA2-479E-BE78-1E35263483A2}"/>
+              </a:ext>
+            </a:extLst>
+          </p:cNvPr>
+          <p:cNvSpPr>
+            <a:spLocks noGrp="1"/>
+          </p:cNvSpPr>
+          <p:nvPr>
+            <p:ph idx="1"/>
+          </p:nvPr>
+        </p:nvSpPr>
+        <p:spPr/>
+        <p:txBody>
+          <a:bodyPr/>
+          <a:lstStyle/>
+          <a:p>
+            <a:pPr marL="0" indent="0">
+              <a:buNone/>
+            </a:pPr>
+            <a:r>
+              <a:rPr lang="ja-JP" altLang="en-US" dirty="0"/>
+              <a:t>・日野を観光した後に</a:t>
+            </a:r>
+            <a:r>
+              <a:rPr lang="en-US" altLang="ja-JP" dirty="0"/>
+              <a:t>…</a:t>
+            </a:r>
+          </a:p>
+          <a:p>
+            <a:pPr marL="0" indent="0">
+              <a:buNone/>
+            </a:pPr>
+            <a:r>
+              <a:rPr lang="ja-JP" altLang="en-US" dirty="0"/>
+              <a:t>実際に観光してみて気に入ったスポットの写真などを投稿することができる</a:t>
+            </a:r>
+            <a:endParaRPr lang="en-US" altLang="ja-JP" dirty="0"/>
+          </a:p>
+          <a:p>
+            <a:pPr marL="0" indent="0">
+              <a:buNone/>
+            </a:pPr>
+            <a:endParaRPr lang="en-US" altLang="ja-JP" dirty="0"/>
+          </a:p>
+          <a:p>
+            <a:pPr marL="0" indent="0">
+              <a:buNone/>
+            </a:pPr>
+            <a:r>
+              <a:rPr lang="ja-JP" altLang="en-US" dirty="0"/>
+              <a:t>・地元の人々が</a:t>
+            </a:r>
+            <a:r>
+              <a:rPr lang="en-US" altLang="ja-JP" dirty="0"/>
+              <a:t>…</a:t>
+            </a:r>
+          </a:p>
+          <a:p>
+            <a:pPr marL="0" indent="0">
+              <a:buNone/>
+            </a:pPr>
+            <a:r>
+              <a:rPr lang="ja-JP" altLang="en-US" dirty="0"/>
+              <a:t>日野を観光したいと考えている人々におすすめしたいスポットを紹介できる</a:t>
+            </a:r>
+          </a:p>
+          <a:p>
+            <a:pPr marL="0" indent="0">
+              <a:buNone/>
+            </a:pPr>
+            <a:endParaRPr lang="en-US" altLang="ja-JP" dirty="0"/>
+          </a:p>
+        </p:txBody>
+      </p:sp>
+    </p:spTree>
+    <p:extLst>
+      <p:ext uri="{BB962C8B-B14F-4D97-AF65-F5344CB8AC3E}">
+        <p14:creationId xmlns:p14="http://schemas.microsoft.com/office/powerpoint/2010/main" val="2251667623"/>
+      </p:ext>
+    </p:extLst>
+  </p:cSld>
+  <p:clrMapOvr>
+    <a:masterClrMapping/>
+  </p:clrMapOvr>
+</p:sld>
+</file>
+
+<file path=ppt/slides/slide12.xml><?xml version="1.0" encoding="utf-8"?>
+<p:sld xmlns:a="http://schemas.openxmlformats.org/drawingml/2006/main" xmlns:r="http://schemas.openxmlformats.org/officeDocument/2006/relationships" xmlns:p="http://schemas.openxmlformats.org/presentationml/2006/main">
+  <p:cSld>
+    <p:spTree>
+      <p:nvGrpSpPr>
+        <p:cNvPr id="1" name=""/>
+        <p:cNvGrpSpPr/>
+        <p:nvPr/>
+      </p:nvGrpSpPr>
+      <p:grpSpPr>
+        <a:xfrm>
+          <a:off x="0" y="0"/>
+          <a:ext cx="0" cy="0"/>
+          <a:chOff x="0" y="0"/>
+          <a:chExt cx="0" cy="0"/>
+        </a:xfrm>
+      </p:grpSpPr>
+      <p:sp>
+        <p:nvSpPr>
+          <p:cNvPr id="2" name="タイトル 1">
+            <a:extLst>
+              <a:ext uri="{FF2B5EF4-FFF2-40B4-BE49-F238E27FC236}">
                 <a16:creationId xmlns:a16="http://schemas.microsoft.com/office/drawing/2014/main" id="{938627EC-1531-46EA-BFB6-292D27097178}"/>
               </a:ext>
             </a:extLst>
@@ -3927,7 +4027,7 @@
 </p:sld>
 </file>
 
-<file path=ppt/slides/slide12.xml><?xml version="1.0" encoding="utf-8"?>
+<file path=ppt/slides/slide13.xml><?xml version="1.0" encoding="utf-8"?>
 <p:sld xmlns:a="http://schemas.openxmlformats.org/drawingml/2006/main" xmlns:r="http://schemas.openxmlformats.org/officeDocument/2006/relationships" xmlns:p="http://schemas.openxmlformats.org/presentationml/2006/main">
   <p:cSld>
     <p:spTree>
@@ -4022,7 +4122,7 @@
 </p:sld>
 </file>
 
-<file path=ppt/slides/slide13.xml><?xml version="1.0" encoding="utf-8"?>
+<file path=ppt/slides/slide14.xml><?xml version="1.0" encoding="utf-8"?>
 <p:sld xmlns:a="http://schemas.openxmlformats.org/drawingml/2006/main" xmlns:r="http://schemas.openxmlformats.org/officeDocument/2006/relationships" xmlns:p="http://schemas.openxmlformats.org/presentationml/2006/main">
   <p:cSld>
     <p:spTree>
@@ -4116,7 +4216,7 @@
 </p:sld>
 </file>
 
-<file path=ppt/slides/slide14.xml><?xml version="1.0" encoding="utf-8"?>
+<file path=ppt/slides/slide15.xml><?xml version="1.0" encoding="utf-8"?>
 <p:sld xmlns:a="http://schemas.openxmlformats.org/drawingml/2006/main" xmlns:r="http://schemas.openxmlformats.org/officeDocument/2006/relationships" xmlns:p="http://schemas.openxmlformats.org/presentationml/2006/main">
   <p:cSld>
     <p:spTree>
@@ -4209,7 +4309,7 @@
 </p:sld>
 </file>
 
-<file path=ppt/slides/slide15.xml><?xml version="1.0" encoding="utf-8"?>
+<file path=ppt/slides/slide16.xml><?xml version="1.0" encoding="utf-8"?>
 <p:sld xmlns:a="http://schemas.openxmlformats.org/drawingml/2006/main" xmlns:r="http://schemas.openxmlformats.org/officeDocument/2006/relationships" xmlns:p="http://schemas.openxmlformats.org/presentationml/2006/main">
   <p:cSld>
     <p:spTree>
@@ -4292,6 +4392,343 @@
       </p:grpSpPr>
       <p:sp>
         <p:nvSpPr>
+          <p:cNvPr id="2" name="テキスト ボックス 1">
+            <a:extLst>
+              <a:ext uri="{FF2B5EF4-FFF2-40B4-BE49-F238E27FC236}">
+                <a16:creationId xmlns:a16="http://schemas.microsoft.com/office/drawing/2014/main" id="{2557E883-F442-2548-B5A6-4BB7CF60FB59}"/>
+              </a:ext>
+            </a:extLst>
+          </p:cNvPr>
+          <p:cNvSpPr txBox="1"/>
+          <p:nvPr/>
+        </p:nvSpPr>
+        <p:spPr>
+          <a:xfrm>
+            <a:off x="726692" y="544021"/>
+            <a:ext cx="2414587" cy="584775"/>
+          </a:xfrm>
+          <a:prstGeom prst="rect">
+            <a:avLst/>
+          </a:prstGeom>
+          <a:noFill/>
+        </p:spPr>
+        <p:txBody>
+          <a:bodyPr wrap="square" rtlCol="0">
+            <a:spAutoFit/>
+          </a:bodyPr>
+          <a:lstStyle/>
+          <a:p>
+            <a:r>
+              <a:rPr lang="ja-JP" altLang="en-US" sz="3200"/>
+              <a:t>みにばす旅</a:t>
+            </a:r>
+            <a:endParaRPr lang="en-US" altLang="ja-JP" sz="3200" dirty="0"/>
+          </a:p>
+        </p:txBody>
+      </p:sp>
+      <p:sp>
+        <p:nvSpPr>
+          <p:cNvPr id="3" name="テキスト ボックス 2">
+            <a:extLst>
+              <a:ext uri="{FF2B5EF4-FFF2-40B4-BE49-F238E27FC236}">
+                <a16:creationId xmlns:a16="http://schemas.microsoft.com/office/drawing/2014/main" id="{8279BADC-A96E-1143-9339-E25E8C74D06F}"/>
+              </a:ext>
+            </a:extLst>
+          </p:cNvPr>
+          <p:cNvSpPr txBox="1"/>
+          <p:nvPr/>
+        </p:nvSpPr>
+        <p:spPr>
+          <a:xfrm>
+            <a:off x="1129599" y="1301621"/>
+            <a:ext cx="6543675" cy="646331"/>
+          </a:xfrm>
+          <a:prstGeom prst="rect">
+            <a:avLst/>
+          </a:prstGeom>
+          <a:noFill/>
+        </p:spPr>
+        <p:txBody>
+          <a:bodyPr wrap="square" rtlCol="0">
+            <a:spAutoFit/>
+          </a:bodyPr>
+          <a:lstStyle/>
+          <a:p>
+            <a:r>
+              <a:rPr lang="ja-JP" altLang="en-US"/>
+              <a:t>「ミニバス」を利用した観光を提案する観光サイト</a:t>
+            </a:r>
+          </a:p>
+          <a:p>
+            <a:endParaRPr kumimoji="1" lang="ja-JP" altLang="en-US"/>
+          </a:p>
+        </p:txBody>
+      </p:sp>
+      <p:pic>
+        <p:nvPicPr>
+          <p:cNvPr id="4" name="コンテンツ プレースホルダー 9">
+            <a:extLst>
+              <a:ext uri="{FF2B5EF4-FFF2-40B4-BE49-F238E27FC236}">
+                <a16:creationId xmlns:a16="http://schemas.microsoft.com/office/drawing/2014/main" id="{E2520D11-2138-7A41-A32B-133F440976FC}"/>
+              </a:ext>
+            </a:extLst>
+          </p:cNvPr>
+          <p:cNvPicPr>
+            <a:picLocks noChangeAspect="1"/>
+          </p:cNvPicPr>
+          <p:nvPr/>
+        </p:nvPicPr>
+        <p:blipFill>
+          <a:blip r:embed="rId2">
+            <a:extLst>
+              <a:ext uri="{28A0092B-C50C-407E-A947-70E740481C1C}">
+                <a14:useLocalDpi xmlns:a14="http://schemas.microsoft.com/office/drawing/2010/main" val="0"/>
+              </a:ext>
+            </a:extLst>
+          </a:blip>
+          <a:stretch>
+            <a:fillRect/>
+          </a:stretch>
+        </p:blipFill>
+        <p:spPr>
+          <a:xfrm>
+            <a:off x="8078378" y="1342497"/>
+            <a:ext cx="1863964" cy="4351338"/>
+          </a:xfrm>
+          <a:prstGeom prst="rect">
+            <a:avLst/>
+          </a:prstGeom>
+        </p:spPr>
+      </p:pic>
+      <p:sp>
+        <p:nvSpPr>
+          <p:cNvPr id="5" name="テキスト ボックス 4">
+            <a:extLst>
+              <a:ext uri="{FF2B5EF4-FFF2-40B4-BE49-F238E27FC236}">
+                <a16:creationId xmlns:a16="http://schemas.microsoft.com/office/drawing/2014/main" id="{09796BB0-0209-D049-80B1-D3C154640456}"/>
+              </a:ext>
+            </a:extLst>
+          </p:cNvPr>
+          <p:cNvSpPr txBox="1"/>
+          <p:nvPr/>
+        </p:nvSpPr>
+        <p:spPr>
+          <a:xfrm>
+            <a:off x="1129598" y="2943729"/>
+            <a:ext cx="6543675" cy="1477328"/>
+          </a:xfrm>
+          <a:prstGeom prst="rect">
+            <a:avLst/>
+          </a:prstGeom>
+          <a:noFill/>
+        </p:spPr>
+        <p:txBody>
+          <a:bodyPr wrap="square" rtlCol="0">
+            <a:spAutoFit/>
+          </a:bodyPr>
+          <a:lstStyle/>
+          <a:p>
+            <a:r>
+              <a:rPr lang="ja-JP" altLang="en-US" b="1"/>
+              <a:t>レイアウト</a:t>
+            </a:r>
+            <a:endParaRPr lang="en-US" altLang="ja-JP" b="1" dirty="0"/>
+          </a:p>
+          <a:p>
+            <a:r>
+              <a:rPr lang="ja-JP" altLang="en-US"/>
+              <a:t>１水資源豊富な日野市をイメージした</a:t>
+            </a:r>
+            <a:endParaRPr lang="en-US" altLang="ja-JP" dirty="0"/>
+          </a:p>
+          <a:p>
+            <a:r>
+              <a:rPr lang="ja-JP" altLang="en-US"/>
+              <a:t>　カラーと波模様</a:t>
+            </a:r>
+            <a:endParaRPr lang="en-US" altLang="ja-JP" dirty="0"/>
+          </a:p>
+          <a:p>
+            <a:endParaRPr lang="en-US" altLang="ja-JP" dirty="0"/>
+          </a:p>
+          <a:p>
+            <a:r>
+              <a:rPr lang="ja-JP" altLang="en-US"/>
+              <a:t>２優しい色合いと丸みのあるデザイン</a:t>
+            </a:r>
+            <a:endParaRPr lang="en-US" altLang="ja-JP" dirty="0"/>
+          </a:p>
+        </p:txBody>
+      </p:sp>
+      <p:sp>
+        <p:nvSpPr>
+          <p:cNvPr id="6" name="テキスト ボックス 5">
+            <a:extLst>
+              <a:ext uri="{FF2B5EF4-FFF2-40B4-BE49-F238E27FC236}">
+                <a16:creationId xmlns:a16="http://schemas.microsoft.com/office/drawing/2014/main" id="{D6AF589F-3699-904C-8BE3-FAB616EB6A06}"/>
+              </a:ext>
+            </a:extLst>
+          </p:cNvPr>
+          <p:cNvSpPr txBox="1"/>
+          <p:nvPr/>
+        </p:nvSpPr>
+        <p:spPr>
+          <a:xfrm>
+            <a:off x="1129598" y="4769493"/>
+            <a:ext cx="6543675" cy="923330"/>
+          </a:xfrm>
+          <a:prstGeom prst="rect">
+            <a:avLst/>
+          </a:prstGeom>
+          <a:noFill/>
+        </p:spPr>
+        <p:txBody>
+          <a:bodyPr wrap="square" rtlCol="0">
+            <a:spAutoFit/>
+          </a:bodyPr>
+          <a:lstStyle/>
+          <a:p>
+            <a:r>
+              <a:rPr kumimoji="1" lang="ja-JP" altLang="en-US" b="1"/>
+              <a:t>特徴</a:t>
+            </a:r>
+            <a:endParaRPr kumimoji="1" lang="en-US" altLang="ja-JP" b="1" dirty="0"/>
+          </a:p>
+          <a:p>
+            <a:r>
+              <a:rPr kumimoji="1" lang="ja-JP" altLang="en-US"/>
+              <a:t>１観光ルートの選び方が二つある</a:t>
+            </a:r>
+            <a:endParaRPr kumimoji="1" lang="en-US" altLang="ja-JP" dirty="0"/>
+          </a:p>
+          <a:p>
+            <a:r>
+              <a:rPr lang="ja-JP" altLang="en-US"/>
+              <a:t>２観光スポットの情報がまとまっている</a:t>
+            </a:r>
+            <a:endParaRPr kumimoji="1" lang="ja-JP" altLang="en-US"/>
+          </a:p>
+        </p:txBody>
+      </p:sp>
+      <p:sp>
+        <p:nvSpPr>
+          <p:cNvPr id="7" name="テキスト ボックス 6">
+            <a:extLst>
+              <a:ext uri="{FF2B5EF4-FFF2-40B4-BE49-F238E27FC236}">
+                <a16:creationId xmlns:a16="http://schemas.microsoft.com/office/drawing/2014/main" id="{0C4123F1-B480-5145-BEE1-A97716D4A7C3}"/>
+              </a:ext>
+            </a:extLst>
+          </p:cNvPr>
+          <p:cNvSpPr txBox="1"/>
+          <p:nvPr/>
+        </p:nvSpPr>
+        <p:spPr>
+          <a:xfrm>
+            <a:off x="1129598" y="2124573"/>
+            <a:ext cx="5810847" cy="646331"/>
+          </a:xfrm>
+          <a:prstGeom prst="rect">
+            <a:avLst/>
+          </a:prstGeom>
+          <a:noFill/>
+        </p:spPr>
+        <p:txBody>
+          <a:bodyPr wrap="square" rtlCol="0">
+            <a:spAutoFit/>
+          </a:bodyPr>
+          <a:lstStyle/>
+          <a:p>
+            <a:r>
+              <a:rPr kumimoji="1" lang="ja-JP" altLang="en-US" b="1"/>
+              <a:t>コンセプト</a:t>
+            </a:r>
+            <a:endParaRPr kumimoji="1" lang="en-US" altLang="ja-JP" b="1" dirty="0"/>
+          </a:p>
+          <a:p>
+            <a:r>
+              <a:rPr lang="ja-JP" altLang="en-US"/>
+              <a:t>「ミニバス」</a:t>
+            </a:r>
+            <a:r>
+              <a:rPr lang="en-US" altLang="ja-JP" dirty="0"/>
+              <a:t>×</a:t>
+            </a:r>
+            <a:r>
+              <a:rPr lang="ja-JP" altLang="en-US"/>
+              <a:t>観光</a:t>
+            </a:r>
+            <a:endParaRPr kumimoji="1" lang="ja-JP" altLang="en-US"/>
+          </a:p>
+        </p:txBody>
+      </p:sp>
+      <p:pic>
+        <p:nvPicPr>
+          <p:cNvPr id="8" name="図 7">
+            <a:extLst>
+              <a:ext uri="{FF2B5EF4-FFF2-40B4-BE49-F238E27FC236}">
+                <a16:creationId xmlns:a16="http://schemas.microsoft.com/office/drawing/2014/main" id="{DA2BDE78-9EEA-1F48-BB63-CDC5ADE31651}"/>
+              </a:ext>
+            </a:extLst>
+          </p:cNvPr>
+          <p:cNvPicPr>
+            <a:picLocks noChangeAspect="1"/>
+          </p:cNvPicPr>
+          <p:nvPr/>
+        </p:nvPicPr>
+        <p:blipFill>
+          <a:blip r:embed="rId3">
+            <a:extLst>
+              <a:ext uri="{28A0092B-C50C-407E-A947-70E740481C1C}">
+                <a14:useLocalDpi xmlns:a14="http://schemas.microsoft.com/office/drawing/2010/main" val="0"/>
+              </a:ext>
+            </a:extLst>
+          </a:blip>
+          <a:stretch>
+            <a:fillRect/>
+          </a:stretch>
+        </p:blipFill>
+        <p:spPr>
+          <a:xfrm>
+            <a:off x="10347447" y="239712"/>
+            <a:ext cx="1564299" cy="6556909"/>
+          </a:xfrm>
+          <a:prstGeom prst="rect">
+            <a:avLst/>
+          </a:prstGeom>
+        </p:spPr>
+      </p:pic>
+    </p:spTree>
+    <p:extLst>
+      <p:ext uri="{BB962C8B-B14F-4D97-AF65-F5344CB8AC3E}">
+        <p14:creationId xmlns:p14="http://schemas.microsoft.com/office/powerpoint/2010/main" val="2189793483"/>
+      </p:ext>
+    </p:extLst>
+  </p:cSld>
+  <p:clrMapOvr>
+    <a:masterClrMapping/>
+  </p:clrMapOvr>
+</p:sld>
+</file>
+
+<file path=ppt/slides/slide3.xml><?xml version="1.0" encoding="utf-8"?>
+<p:sld xmlns:a="http://schemas.openxmlformats.org/drawingml/2006/main" xmlns:r="http://schemas.openxmlformats.org/officeDocument/2006/relationships" xmlns:p="http://schemas.openxmlformats.org/presentationml/2006/main">
+  <p:cSld>
+    <p:spTree>
+      <p:nvGrpSpPr>
+        <p:cNvPr id="1" name=""/>
+        <p:cNvGrpSpPr/>
+        <p:nvPr/>
+      </p:nvGrpSpPr>
+      <p:grpSpPr>
+        <a:xfrm>
+          <a:off x="0" y="0"/>
+          <a:ext cx="0" cy="0"/>
+          <a:chOff x="0" y="0"/>
+          <a:chExt cx="0" cy="0"/>
+        </a:xfrm>
+      </p:grpSpPr>
+      <p:sp>
+        <p:nvSpPr>
           <p:cNvPr id="2" name="タイトル 1">
             <a:extLst>
               <a:ext uri="{FF2B5EF4-FFF2-40B4-BE49-F238E27FC236}">
@@ -4436,7 +4873,7 @@
 </p:sld>
 </file>
 
-<file path=ppt/slides/slide3.xml><?xml version="1.0" encoding="utf-8"?>
+<file path=ppt/slides/slide4.xml><?xml version="1.0" encoding="utf-8"?>
 <p:sld xmlns:a="http://schemas.openxmlformats.org/drawingml/2006/main" xmlns:r="http://schemas.openxmlformats.org/officeDocument/2006/relationships" xmlns:p="http://schemas.openxmlformats.org/presentationml/2006/main">
   <p:cSld>
     <p:spTree>
@@ -4585,113 +5022,6 @@
 </p:sld>
 </file>
 
-<file path=ppt/slides/slide4.xml><?xml version="1.0" encoding="utf-8"?>
-<p:sld xmlns:a="http://schemas.openxmlformats.org/drawingml/2006/main" xmlns:r="http://schemas.openxmlformats.org/officeDocument/2006/relationships" xmlns:p="http://schemas.openxmlformats.org/presentationml/2006/main">
-  <p:cSld>
-    <p:spTree>
-      <p:nvGrpSpPr>
-        <p:cNvPr id="1" name=""/>
-        <p:cNvGrpSpPr/>
-        <p:nvPr/>
-      </p:nvGrpSpPr>
-      <p:grpSpPr>
-        <a:xfrm>
-          <a:off x="0" y="0"/>
-          <a:ext cx="0" cy="0"/>
-          <a:chOff x="0" y="0"/>
-          <a:chExt cx="0" cy="0"/>
-        </a:xfrm>
-      </p:grpSpPr>
-      <p:sp>
-        <p:nvSpPr>
-          <p:cNvPr id="2" name="タイトル 1">
-            <a:extLst>
-              <a:ext uri="{FF2B5EF4-FFF2-40B4-BE49-F238E27FC236}">
-                <a16:creationId xmlns:a16="http://schemas.microsoft.com/office/drawing/2014/main" id="{AB5B6D2C-6F44-45C8-AD01-F4D69A095433}"/>
-              </a:ext>
-            </a:extLst>
-          </p:cNvPr>
-          <p:cNvSpPr>
-            <a:spLocks noGrp="1"/>
-          </p:cNvSpPr>
-          <p:nvPr>
-            <p:ph type="title"/>
-          </p:nvPr>
-        </p:nvSpPr>
-        <p:spPr/>
-        <p:txBody>
-          <a:bodyPr/>
-          <a:lstStyle/>
-          <a:p>
-            <a:r>
-              <a:rPr lang="ja-JP" altLang="en-US" dirty="0"/>
-              <a:t>ゲームの特徴</a:t>
-            </a:r>
-            <a:endParaRPr kumimoji="1" lang="ja-JP" altLang="en-US" dirty="0"/>
-          </a:p>
-        </p:txBody>
-      </p:sp>
-      <p:sp>
-        <p:nvSpPr>
-          <p:cNvPr id="3" name="コンテンツ プレースホルダー 2">
-            <a:extLst>
-              <a:ext uri="{FF2B5EF4-FFF2-40B4-BE49-F238E27FC236}">
-                <a16:creationId xmlns:a16="http://schemas.microsoft.com/office/drawing/2014/main" id="{17570BDB-D902-472E-9F2E-4E4EEE97CD3F}"/>
-              </a:ext>
-            </a:extLst>
-          </p:cNvPr>
-          <p:cNvSpPr>
-            <a:spLocks noGrp="1"/>
-          </p:cNvSpPr>
-          <p:nvPr>
-            <p:ph idx="1"/>
-          </p:nvPr>
-        </p:nvSpPr>
-        <p:spPr/>
-        <p:txBody>
-          <a:bodyPr/>
-          <a:lstStyle/>
-          <a:p>
-            <a:pPr marL="0" indent="0">
-              <a:buNone/>
-            </a:pPr>
-            <a:r>
-              <a:rPr lang="ja-JP" altLang="en-US" dirty="0"/>
-              <a:t>①観光シュミレーション</a:t>
-            </a:r>
-            <a:endParaRPr lang="en-US" altLang="ja-JP" dirty="0"/>
-          </a:p>
-          <a:p>
-            <a:pPr marL="0" indent="0">
-              <a:buNone/>
-            </a:pPr>
-            <a:endParaRPr kumimoji="1" lang="en-US" altLang="ja-JP" dirty="0"/>
-          </a:p>
-          <a:p>
-            <a:pPr marL="0" indent="0">
-              <a:buNone/>
-            </a:pPr>
-            <a:r>
-              <a:rPr lang="ja-JP" altLang="en-US" dirty="0"/>
-              <a:t>②投稿フォーム</a:t>
-            </a:r>
-            <a:endParaRPr lang="en-US" altLang="ja-JP" dirty="0"/>
-          </a:p>
-        </p:txBody>
-      </p:sp>
-    </p:spTree>
-    <p:extLst>
-      <p:ext uri="{BB962C8B-B14F-4D97-AF65-F5344CB8AC3E}">
-        <p14:creationId xmlns:p14="http://schemas.microsoft.com/office/powerpoint/2010/main" val="3250835352"/>
-      </p:ext>
-    </p:extLst>
-  </p:cSld>
-  <p:clrMapOvr>
-    <a:masterClrMapping/>
-  </p:clrMapOvr>
-</p:sld>
-</file>
-
 <file path=ppt/slides/slide5.xml><?xml version="1.0" encoding="utf-8"?>
 <p:sld xmlns:a="http://schemas.openxmlformats.org/drawingml/2006/main" xmlns:r="http://schemas.openxmlformats.org/officeDocument/2006/relationships" xmlns:p="http://schemas.openxmlformats.org/presentationml/2006/main">
   <p:cSld>
@@ -4714,7 +5044,7 @@
           <p:cNvPr id="2" name="タイトル 1">
             <a:extLst>
               <a:ext uri="{FF2B5EF4-FFF2-40B4-BE49-F238E27FC236}">
-                <a16:creationId xmlns:a16="http://schemas.microsoft.com/office/drawing/2014/main" id="{8900BDA0-A291-4968-BA2A-94F160C945E1}"/>
+                <a16:creationId xmlns:a16="http://schemas.microsoft.com/office/drawing/2014/main" id="{AB5B6D2C-6F44-45C8-AD01-F4D69A095433}"/>
               </a:ext>
             </a:extLst>
           </p:cNvPr>
@@ -4732,7 +5062,7 @@
           <a:p>
             <a:r>
               <a:rPr lang="ja-JP" altLang="en-US" dirty="0"/>
-              <a:t>ゲームの特徴①　観光シュミレーション</a:t>
+              <a:t>ゲームの特徴</a:t>
             </a:r>
             <a:endParaRPr kumimoji="1" lang="ja-JP" altLang="en-US" dirty="0"/>
           </a:p>
@@ -4743,7 +5073,7 @@
           <p:cNvPr id="3" name="コンテンツ プレースホルダー 2">
             <a:extLst>
               <a:ext uri="{FF2B5EF4-FFF2-40B4-BE49-F238E27FC236}">
-                <a16:creationId xmlns:a16="http://schemas.microsoft.com/office/drawing/2014/main" id="{AEA0E4A9-D567-4142-8806-C8FD0B47577A}"/>
+                <a16:creationId xmlns:a16="http://schemas.microsoft.com/office/drawing/2014/main" id="{17570BDB-D902-472E-9F2E-4E4EEE97CD3F}"/>
               </a:ext>
             </a:extLst>
           </p:cNvPr>
@@ -4754,12 +5084,7 @@
             <p:ph idx="1"/>
           </p:nvPr>
         </p:nvSpPr>
-        <p:spPr>
-          <a:xfrm>
-            <a:off x="838200" y="1825625"/>
-            <a:ext cx="10515600" cy="4351338"/>
-          </a:xfrm>
-        </p:spPr>
+        <p:spPr/>
         <p:txBody>
           <a:bodyPr/>
           <a:lstStyle/>
@@ -4768,12 +5093,8 @@
               <a:buNone/>
             </a:pPr>
             <a:r>
-              <a:rPr kumimoji="1" lang="ja-JP" altLang="en-US" dirty="0"/>
-              <a:t>・日野を観光する前に</a:t>
-            </a:r>
-            <a:r>
-              <a:rPr kumimoji="1" lang="en-US" altLang="ja-JP" dirty="0"/>
-              <a:t>…</a:t>
+              <a:rPr lang="ja-JP" altLang="en-US" dirty="0"/>
+              <a:t>①観光シュミレーション</a:t>
             </a:r>
             <a:endParaRPr lang="en-US" altLang="ja-JP" dirty="0"/>
           </a:p>
@@ -4781,16 +5102,16 @@
             <a:pPr marL="0" indent="0">
               <a:buNone/>
             </a:pPr>
+            <a:endParaRPr kumimoji="1" lang="en-US" altLang="ja-JP" dirty="0"/>
+          </a:p>
+          <a:p>
+            <a:pPr marL="0" indent="0">
+              <a:buNone/>
+            </a:pPr>
             <a:r>
               <a:rPr lang="ja-JP" altLang="en-US" dirty="0"/>
-              <a:t>ミニバスに乗ったような気分で観光スポットを画像と共に巡ることができる</a:t>
-            </a:r>
-            <a:endParaRPr lang="en-US" altLang="ja-JP" dirty="0"/>
-          </a:p>
-          <a:p>
-            <a:pPr marL="0" indent="0">
-              <a:buNone/>
-            </a:pPr>
+              <a:t>②投稿フォーム</a:t>
+            </a:r>
             <a:endParaRPr lang="en-US" altLang="ja-JP" dirty="0"/>
           </a:p>
         </p:txBody>
@@ -4798,7 +5119,7 @@
     </p:spTree>
     <p:extLst>
       <p:ext uri="{BB962C8B-B14F-4D97-AF65-F5344CB8AC3E}">
-        <p14:creationId xmlns:p14="http://schemas.microsoft.com/office/powerpoint/2010/main" val="643926066"/>
+        <p14:creationId xmlns:p14="http://schemas.microsoft.com/office/powerpoint/2010/main" val="3250835352"/>
       </p:ext>
     </p:extLst>
   </p:cSld>
@@ -4830,40 +5151,91 @@
           <p:cNvPr id="2" name="タイトル 1">
             <a:extLst>
               <a:ext uri="{FF2B5EF4-FFF2-40B4-BE49-F238E27FC236}">
-                <a16:creationId xmlns:a16="http://schemas.microsoft.com/office/drawing/2014/main" id="{938627EC-1531-46EA-BFB6-292D27097178}"/>
-              </a:ext>
-            </a:extLst>
-          </p:cNvPr>
-          <p:cNvSpPr>
-            <a:spLocks noGrp="1"/>
-          </p:cNvSpPr>
-          <p:nvPr>
-            <p:ph type="ctrTitle"/>
+                <a16:creationId xmlns:a16="http://schemas.microsoft.com/office/drawing/2014/main" id="{8900BDA0-A291-4968-BA2A-94F160C945E1}"/>
+              </a:ext>
+            </a:extLst>
+          </p:cNvPr>
+          <p:cNvSpPr>
+            <a:spLocks noGrp="1"/>
+          </p:cNvSpPr>
+          <p:nvPr>
+            <p:ph type="title"/>
+          </p:nvPr>
+        </p:nvSpPr>
+        <p:spPr/>
+        <p:txBody>
+          <a:bodyPr/>
+          <a:lstStyle/>
+          <a:p>
+            <a:r>
+              <a:rPr lang="ja-JP" altLang="en-US" dirty="0"/>
+              <a:t>ゲームの特徴①　観光シュミレーション</a:t>
+            </a:r>
+            <a:endParaRPr kumimoji="1" lang="ja-JP" altLang="en-US" dirty="0"/>
+          </a:p>
+        </p:txBody>
+      </p:sp>
+      <p:sp>
+        <p:nvSpPr>
+          <p:cNvPr id="3" name="コンテンツ プレースホルダー 2">
+            <a:extLst>
+              <a:ext uri="{FF2B5EF4-FFF2-40B4-BE49-F238E27FC236}">
+                <a16:creationId xmlns:a16="http://schemas.microsoft.com/office/drawing/2014/main" id="{AEA0E4A9-D567-4142-8806-C8FD0B47577A}"/>
+              </a:ext>
+            </a:extLst>
+          </p:cNvPr>
+          <p:cNvSpPr>
+            <a:spLocks noGrp="1"/>
+          </p:cNvSpPr>
+          <p:nvPr>
+            <p:ph idx="1"/>
           </p:nvPr>
         </p:nvSpPr>
         <p:spPr>
           <a:xfrm>
-            <a:off x="1524000" y="2820095"/>
-            <a:ext cx="9144000" cy="1217811"/>
+            <a:off x="838200" y="1825625"/>
+            <a:ext cx="10515600" cy="4351338"/>
           </a:xfrm>
         </p:spPr>
         <p:txBody>
-          <a:bodyPr>
-            <a:normAutofit fontScale="90000"/>
-          </a:bodyPr>
-          <a:lstStyle/>
-          <a:p>
+          <a:bodyPr/>
+          <a:lstStyle/>
+          <a:p>
+            <a:pPr marL="0" indent="0">
+              <a:buNone/>
+            </a:pPr>
             <a:r>
               <a:rPr kumimoji="1" lang="ja-JP" altLang="en-US" dirty="0"/>
-              <a:t>観光シュミレーション流れ</a:t>
-            </a:r>
+              <a:t>・日野を観光する前に</a:t>
+            </a:r>
+            <a:r>
+              <a:rPr kumimoji="1" lang="en-US" altLang="ja-JP" dirty="0"/>
+              <a:t>…</a:t>
+            </a:r>
+            <a:endParaRPr lang="en-US" altLang="ja-JP" dirty="0"/>
+          </a:p>
+          <a:p>
+            <a:pPr marL="0" indent="0">
+              <a:buNone/>
+            </a:pPr>
+            <a:r>
+              <a:rPr lang="ja-JP" altLang="en-US" dirty="0"/>
+              <a:t>ミニバスに乗ったような気分で観光スポットを画像と共に巡ることができる</a:t>
+            </a:r>
+            <a:endParaRPr lang="en-US" altLang="ja-JP" dirty="0"/>
+          </a:p>
+          <a:p>
+            <a:pPr marL="0" indent="0">
+              <a:buNone/>
+            </a:pPr>
+            <a:endParaRPr lang="en-US" altLang="ja-JP" dirty="0"/>
           </a:p>
         </p:txBody>
       </p:sp>
     </p:spTree>
     <p:extLst>
       <p:ext uri="{BB962C8B-B14F-4D97-AF65-F5344CB8AC3E}">
-        <p14:creationId xmlns:p14="http://schemas.microsoft.com/office/powerpoint/2010/main" val="2845092263"/>
+        <p14:creationId xmlns:p14="http://schemas.microsoft.com/office/powerpoint/2010/main" val="643926066"/>
       </p:ext>
     </p:extLst>
   </p:cSld>
@@ -4890,75 +5262,37 @@
           <a:chExt cx="0" cy="0"/>
         </a:xfrm>
       </p:grpSpPr>
-      <p:pic>
-        <p:nvPicPr>
-          <p:cNvPr id="9" name="図 8">
-            <a:extLst>
-              <a:ext uri="{FF2B5EF4-FFF2-40B4-BE49-F238E27FC236}">
-                <a16:creationId xmlns:a16="http://schemas.microsoft.com/office/drawing/2014/main" id="{F4BE7B4C-BF1E-45C9-886B-C106FED8D08C}"/>
-              </a:ext>
-            </a:extLst>
-          </p:cNvPr>
-          <p:cNvPicPr>
-            <a:picLocks noChangeAspect="1"/>
-          </p:cNvPicPr>
-          <p:nvPr/>
-        </p:nvPicPr>
-        <p:blipFill>
-          <a:blip r:embed="rId2">
-            <a:extLst>
-              <a:ext uri="{28A0092B-C50C-407E-A947-70E740481C1C}">
-                <a14:useLocalDpi xmlns:a14="http://schemas.microsoft.com/office/drawing/2010/main" val="0"/>
-              </a:ext>
-            </a:extLst>
-          </a:blip>
-          <a:stretch>
-            <a:fillRect/>
-          </a:stretch>
-        </p:blipFill>
+      <p:sp>
+        <p:nvSpPr>
+          <p:cNvPr id="2" name="タイトル 1">
+            <a:extLst>
+              <a:ext uri="{FF2B5EF4-FFF2-40B4-BE49-F238E27FC236}">
+                <a16:creationId xmlns:a16="http://schemas.microsoft.com/office/drawing/2014/main" id="{938627EC-1531-46EA-BFB6-292D27097178}"/>
+              </a:ext>
+            </a:extLst>
+          </p:cNvPr>
+          <p:cNvSpPr>
+            <a:spLocks noGrp="1"/>
+          </p:cNvSpPr>
+          <p:nvPr>
+            <p:ph type="ctrTitle"/>
+          </p:nvPr>
+        </p:nvSpPr>
         <p:spPr>
           <a:xfrm>
-            <a:off x="2736000" y="1452875"/>
-            <a:ext cx="6720000" cy="5040000"/>
-          </a:xfrm>
-          <a:prstGeom prst="rect">
-            <a:avLst/>
-          </a:prstGeom>
-        </p:spPr>
-      </p:pic>
-      <p:sp>
-        <p:nvSpPr>
-          <p:cNvPr id="14" name="タイトル 1">
-            <a:extLst>
-              <a:ext uri="{FF2B5EF4-FFF2-40B4-BE49-F238E27FC236}">
-                <a16:creationId xmlns:a16="http://schemas.microsoft.com/office/drawing/2014/main" id="{DB41AD77-4738-466F-9FFE-F71CC78A7C9E}"/>
-              </a:ext>
-            </a:extLst>
-          </p:cNvPr>
-          <p:cNvSpPr>
-            <a:spLocks noGrp="1"/>
-          </p:cNvSpPr>
-          <p:nvPr>
-            <p:ph type="title"/>
-          </p:nvPr>
-        </p:nvSpPr>
-        <p:spPr>
-          <a:xfrm>
-            <a:off x="838200" y="365125"/>
-            <a:ext cx="10515600" cy="1325563"/>
+            <a:off x="1524000" y="2820095"/>
+            <a:ext cx="9144000" cy="1217811"/>
           </a:xfrm>
         </p:spPr>
         <p:txBody>
-          <a:bodyPr/>
-          <a:lstStyle/>
-          <a:p>
-            <a:r>
-              <a:rPr lang="ja-JP" altLang="en-US" dirty="0"/>
-              <a:t>①</a:t>
-            </a:r>
+          <a:bodyPr>
+            <a:normAutofit fontScale="90000"/>
+          </a:bodyPr>
+          <a:lstStyle/>
+          <a:p>
             <a:r>
               <a:rPr kumimoji="1" lang="ja-JP" altLang="en-US" dirty="0"/>
-              <a:t>バスの路線を選ぶ</a:t>
+              <a:t>観光シュミレーション流れ</a:t>
             </a:r>
           </a:p>
         </p:txBody>
@@ -4966,7 +5300,7 @@
     </p:spTree>
     <p:extLst>
       <p:ext uri="{BB962C8B-B14F-4D97-AF65-F5344CB8AC3E}">
-        <p14:creationId xmlns:p14="http://schemas.microsoft.com/office/powerpoint/2010/main" val="2577355566"/>
+        <p14:creationId xmlns:p14="http://schemas.microsoft.com/office/powerpoint/2010/main" val="2845092263"/>
       </p:ext>
     </p:extLst>
   </p:cSld>
@@ -4995,10 +5329,10 @@
       </p:grpSpPr>
       <p:pic>
         <p:nvPicPr>
-          <p:cNvPr id="7" name="図 6">
-            <a:extLst>
-              <a:ext uri="{FF2B5EF4-FFF2-40B4-BE49-F238E27FC236}">
-                <a16:creationId xmlns:a16="http://schemas.microsoft.com/office/drawing/2014/main" id="{E5D16211-666A-4AC9-AAFD-1534CD141698}"/>
+          <p:cNvPr id="9" name="図 8">
+            <a:extLst>
+              <a:ext uri="{FF2B5EF4-FFF2-40B4-BE49-F238E27FC236}">
+                <a16:creationId xmlns:a16="http://schemas.microsoft.com/office/drawing/2014/main" id="{F4BE7B4C-BF1E-45C9-886B-C106FED8D08C}"/>
               </a:ext>
             </a:extLst>
           </p:cNvPr>
@@ -5021,7 +5355,7 @@
         </p:blipFill>
         <p:spPr>
           <a:xfrm>
-            <a:off x="2736000" y="1300475"/>
+            <a:off x="2736000" y="1452875"/>
             <a:ext cx="6720000" cy="5040000"/>
           </a:xfrm>
           <a:prstGeom prst="rect">
@@ -5031,10 +5365,10 @@
       </p:pic>
       <p:sp>
         <p:nvSpPr>
-          <p:cNvPr id="10" name="タイトル 1">
-            <a:extLst>
-              <a:ext uri="{FF2B5EF4-FFF2-40B4-BE49-F238E27FC236}">
-                <a16:creationId xmlns:a16="http://schemas.microsoft.com/office/drawing/2014/main" id="{40F4C22F-DEAC-4DD8-BD06-FD732F03CDF1}"/>
+          <p:cNvPr id="14" name="タイトル 1">
+            <a:extLst>
+              <a:ext uri="{FF2B5EF4-FFF2-40B4-BE49-F238E27FC236}">
+                <a16:creationId xmlns:a16="http://schemas.microsoft.com/office/drawing/2014/main" id="{DB41AD77-4738-466F-9FFE-F71CC78A7C9E}"/>
               </a:ext>
             </a:extLst>
           </p:cNvPr>
@@ -5057,11 +5391,11 @@
           <a:p>
             <a:r>
               <a:rPr lang="ja-JP" altLang="en-US" dirty="0"/>
-              <a:t>②降りたいバス停</a:t>
+              <a:t>①</a:t>
             </a:r>
             <a:r>
               <a:rPr kumimoji="1" lang="ja-JP" altLang="en-US" dirty="0"/>
-              <a:t>を選ぶ</a:t>
+              <a:t>バスの路線を選ぶ</a:t>
             </a:r>
           </a:p>
         </p:txBody>
@@ -5069,7 +5403,7 @@
     </p:spTree>
     <p:extLst>
       <p:ext uri="{BB962C8B-B14F-4D97-AF65-F5344CB8AC3E}">
-        <p14:creationId xmlns:p14="http://schemas.microsoft.com/office/powerpoint/2010/main" val="3196560886"/>
+        <p14:creationId xmlns:p14="http://schemas.microsoft.com/office/powerpoint/2010/main" val="2577355566"/>
       </p:ext>
     </p:extLst>
   </p:cSld>
@@ -5096,45 +5430,12 @@
           <a:chExt cx="0" cy="0"/>
         </a:xfrm>
       </p:grpSpPr>
-      <p:sp>
-        <p:nvSpPr>
-          <p:cNvPr id="5" name="タイトル 1">
-            <a:extLst>
-              <a:ext uri="{FF2B5EF4-FFF2-40B4-BE49-F238E27FC236}">
-                <a16:creationId xmlns:a16="http://schemas.microsoft.com/office/drawing/2014/main" id="{78690778-CC59-4B13-B088-6E893C73EAF6}"/>
-              </a:ext>
-            </a:extLst>
-          </p:cNvPr>
-          <p:cNvSpPr>
-            <a:spLocks noGrp="1"/>
-          </p:cNvSpPr>
-          <p:nvPr>
-            <p:ph type="title"/>
-          </p:nvPr>
-        </p:nvSpPr>
-        <p:spPr>
-          <a:xfrm>
-            <a:off x="838200" y="365125"/>
-            <a:ext cx="10515600" cy="1325563"/>
-          </a:xfrm>
-        </p:spPr>
-        <p:txBody>
-          <a:bodyPr/>
-          <a:lstStyle/>
-          <a:p>
-            <a:r>
-              <a:rPr kumimoji="1" lang="ja-JP" altLang="en-US" dirty="0"/>
-              <a:t>③観光ポットの情報ゲット</a:t>
-            </a:r>
-          </a:p>
-        </p:txBody>
-      </p:sp>
       <p:pic>
         <p:nvPicPr>
           <p:cNvPr id="7" name="図 6">
             <a:extLst>
               <a:ext uri="{FF2B5EF4-FFF2-40B4-BE49-F238E27FC236}">
-                <a16:creationId xmlns:a16="http://schemas.microsoft.com/office/drawing/2014/main" id="{ABC892CE-CF64-49B4-9D67-6C03293B1B6B}"/>
+                <a16:creationId xmlns:a16="http://schemas.microsoft.com/office/drawing/2014/main" id="{E5D16211-666A-4AC9-AAFD-1534CD141698}"/>
               </a:ext>
             </a:extLst>
           </p:cNvPr>
@@ -5157,7 +5458,7 @@
         </p:blipFill>
         <p:spPr>
           <a:xfrm>
-            <a:off x="2736000" y="1452875"/>
+            <a:off x="2736000" y="1300475"/>
             <a:ext cx="6720000" cy="5040000"/>
           </a:xfrm>
           <a:prstGeom prst="rect">
@@ -5165,10 +5466,47 @@
           </a:prstGeom>
         </p:spPr>
       </p:pic>
+      <p:sp>
+        <p:nvSpPr>
+          <p:cNvPr id="10" name="タイトル 1">
+            <a:extLst>
+              <a:ext uri="{FF2B5EF4-FFF2-40B4-BE49-F238E27FC236}">
+                <a16:creationId xmlns:a16="http://schemas.microsoft.com/office/drawing/2014/main" id="{40F4C22F-DEAC-4DD8-BD06-FD732F03CDF1}"/>
+              </a:ext>
+            </a:extLst>
+          </p:cNvPr>
+          <p:cNvSpPr>
+            <a:spLocks noGrp="1"/>
+          </p:cNvSpPr>
+          <p:nvPr>
+            <p:ph type="title"/>
+          </p:nvPr>
+        </p:nvSpPr>
+        <p:spPr>
+          <a:xfrm>
+            <a:off x="838200" y="365125"/>
+            <a:ext cx="10515600" cy="1325563"/>
+          </a:xfrm>
+        </p:spPr>
+        <p:txBody>
+          <a:bodyPr/>
+          <a:lstStyle/>
+          <a:p>
+            <a:r>
+              <a:rPr lang="ja-JP" altLang="en-US" dirty="0"/>
+              <a:t>②降りたいバス停</a:t>
+            </a:r>
+            <a:r>
+              <a:rPr kumimoji="1" lang="ja-JP" altLang="en-US" dirty="0"/>
+              <a:t>を選ぶ</a:t>
+            </a:r>
+          </a:p>
+        </p:txBody>
+      </p:sp>
     </p:spTree>
     <p:extLst>
       <p:ext uri="{BB962C8B-B14F-4D97-AF65-F5344CB8AC3E}">
-        <p14:creationId xmlns:p14="http://schemas.microsoft.com/office/powerpoint/2010/main" val="1746382014"/>
+        <p14:creationId xmlns:p14="http://schemas.microsoft.com/office/powerpoint/2010/main" val="3196560886"/>
       </p:ext>
     </p:extLst>
   </p:cSld>
